--- a/08-CMS.pptx
+++ b/08-CMS.pptx
@@ -3530,7 +3530,23 @@
                   <a:schemeClr val="accent6"/>
                 </a:solidFill>
               </a:rPr>
-              <a:t>(CMS)</a:t>
+              <a:t>(</a:t>
+            </a:r>
+            <a:r>
+              <a:rPr lang="en-US" smtClean="0">
+                <a:solidFill>
+                  <a:schemeClr val="accent6"/>
+                </a:solidFill>
+              </a:rPr>
+              <a:t>CMS</a:t>
+            </a:r>
+            <a:r>
+              <a:rPr lang="en-US" smtClean="0">
+                <a:solidFill>
+                  <a:schemeClr val="accent6"/>
+                </a:solidFill>
+              </a:rPr>
+              <a:t>)</a:t>
             </a:r>
             <a:endParaRPr lang="bg-BG" dirty="0">
               <a:solidFill>
@@ -4133,15 +4149,7 @@
                   <a:schemeClr val="accent6"/>
                 </a:solidFill>
               </a:rPr>
-              <a:t>CMS – </a:t>
-            </a:r>
-            <a:r>
-              <a:rPr lang="en-US" dirty="0" smtClean="0">
-                <a:solidFill>
-                  <a:schemeClr val="accent6"/>
-                </a:solidFill>
-              </a:rPr>
-              <a:t>WordPress</a:t>
+              <a:t>CMS – WordPress</a:t>
             </a:r>
             <a:endParaRPr lang="bg-BG" dirty="0">
               <a:solidFill>

--- a/08-CMS.pptx
+++ b/08-CMS.pptx
@@ -227,7 +227,7 @@
           <a:p>
             <a:fld id="{2E054F57-E93D-4CC3-8A27-2F256E70BB98}" type="datetimeFigureOut">
               <a:rPr lang="en-US" smtClean="0"/>
-              <a:t>12 Aug 15</a:t>
+              <a:t>19 Aug 15</a:t>
             </a:fld>
             <a:endParaRPr lang="en-US"/>
           </a:p>
@@ -676,7 +676,7 @@
           <a:p>
             <a:fld id="{3EA744D9-3FBE-48D8-BF2A-85DF203E4D20}" type="datetimeFigureOut">
               <a:rPr lang="bg-BG" smtClean="0"/>
-              <a:t>12.8.2015 г.</a:t>
+              <a:t>19.8.2015 г.</a:t>
             </a:fld>
             <a:endParaRPr lang="bg-BG"/>
           </a:p>
@@ -846,7 +846,7 @@
           <a:p>
             <a:fld id="{3EA744D9-3FBE-48D8-BF2A-85DF203E4D20}" type="datetimeFigureOut">
               <a:rPr lang="bg-BG" smtClean="0"/>
-              <a:t>12.8.2015 г.</a:t>
+              <a:t>19.8.2015 г.</a:t>
             </a:fld>
             <a:endParaRPr lang="bg-BG"/>
           </a:p>
@@ -1026,7 +1026,7 @@
           <a:p>
             <a:fld id="{3EA744D9-3FBE-48D8-BF2A-85DF203E4D20}" type="datetimeFigureOut">
               <a:rPr lang="bg-BG" smtClean="0"/>
-              <a:t>12.8.2015 г.</a:t>
+              <a:t>19.8.2015 г.</a:t>
             </a:fld>
             <a:endParaRPr lang="bg-BG"/>
           </a:p>
@@ -1196,7 +1196,7 @@
           <a:p>
             <a:fld id="{3EA744D9-3FBE-48D8-BF2A-85DF203E4D20}" type="datetimeFigureOut">
               <a:rPr lang="bg-BG" smtClean="0"/>
-              <a:t>12.8.2015 г.</a:t>
+              <a:t>19.8.2015 г.</a:t>
             </a:fld>
             <a:endParaRPr lang="bg-BG"/>
           </a:p>
@@ -1442,7 +1442,7 @@
           <a:p>
             <a:fld id="{3EA744D9-3FBE-48D8-BF2A-85DF203E4D20}" type="datetimeFigureOut">
               <a:rPr lang="bg-BG" smtClean="0"/>
-              <a:t>12.8.2015 г.</a:t>
+              <a:t>19.8.2015 г.</a:t>
             </a:fld>
             <a:endParaRPr lang="bg-BG"/>
           </a:p>
@@ -1730,7 +1730,7 @@
           <a:p>
             <a:fld id="{3EA744D9-3FBE-48D8-BF2A-85DF203E4D20}" type="datetimeFigureOut">
               <a:rPr lang="bg-BG" smtClean="0"/>
-              <a:t>12.8.2015 г.</a:t>
+              <a:t>19.8.2015 г.</a:t>
             </a:fld>
             <a:endParaRPr lang="bg-BG"/>
           </a:p>
@@ -2152,7 +2152,7 @@
           <a:p>
             <a:fld id="{3EA744D9-3FBE-48D8-BF2A-85DF203E4D20}" type="datetimeFigureOut">
               <a:rPr lang="bg-BG" smtClean="0"/>
-              <a:t>12.8.2015 г.</a:t>
+              <a:t>19.8.2015 г.</a:t>
             </a:fld>
             <a:endParaRPr lang="bg-BG"/>
           </a:p>
@@ -2270,7 +2270,7 @@
           <a:p>
             <a:fld id="{3EA744D9-3FBE-48D8-BF2A-85DF203E4D20}" type="datetimeFigureOut">
               <a:rPr lang="bg-BG" smtClean="0"/>
-              <a:t>12.8.2015 г.</a:t>
+              <a:t>19.8.2015 г.</a:t>
             </a:fld>
             <a:endParaRPr lang="bg-BG"/>
           </a:p>
@@ -2365,7 +2365,7 @@
           <a:p>
             <a:fld id="{3EA744D9-3FBE-48D8-BF2A-85DF203E4D20}" type="datetimeFigureOut">
               <a:rPr lang="bg-BG" smtClean="0"/>
-              <a:t>12.8.2015 г.</a:t>
+              <a:t>19.8.2015 г.</a:t>
             </a:fld>
             <a:endParaRPr lang="bg-BG"/>
           </a:p>
@@ -2642,7 +2642,7 @@
           <a:p>
             <a:fld id="{3EA744D9-3FBE-48D8-BF2A-85DF203E4D20}" type="datetimeFigureOut">
               <a:rPr lang="bg-BG" smtClean="0"/>
-              <a:t>12.8.2015 г.</a:t>
+              <a:t>19.8.2015 г.</a:t>
             </a:fld>
             <a:endParaRPr lang="bg-BG"/>
           </a:p>
@@ -2895,7 +2895,7 @@
           <a:p>
             <a:fld id="{3EA744D9-3FBE-48D8-BF2A-85DF203E4D20}" type="datetimeFigureOut">
               <a:rPr lang="bg-BG" smtClean="0"/>
-              <a:t>12.8.2015 г.</a:t>
+              <a:t>19.8.2015 г.</a:t>
             </a:fld>
             <a:endParaRPr lang="bg-BG"/>
           </a:p>
@@ -3117,7 +3117,7 @@
           <a:p>
             <a:fld id="{3EA744D9-3FBE-48D8-BF2A-85DF203E4D20}" type="datetimeFigureOut">
               <a:rPr lang="bg-BG" smtClean="0"/>
-              <a:t>12.8.2015 г.</a:t>
+              <a:t>19.8.2015 г.</a:t>
             </a:fld>
             <a:endParaRPr lang="bg-BG"/>
           </a:p>
@@ -3538,15 +3538,7 @@
                   <a:schemeClr val="accent6"/>
                 </a:solidFill>
               </a:rPr>
-              <a:t>CMS</a:t>
-            </a:r>
-            <a:r>
-              <a:rPr lang="en-US" smtClean="0">
-                <a:solidFill>
-                  <a:schemeClr val="accent6"/>
-                </a:solidFill>
-              </a:rPr>
-              <a:t>)</a:t>
+              <a:t>CMS)</a:t>
             </a:r>
             <a:endParaRPr lang="bg-BG" dirty="0">
               <a:solidFill>
@@ -4805,7 +4797,7 @@
                   </a:schemeClr>
                 </a:solidFill>
               </a:rPr>
-              <a:t>2.     </a:t>
+              <a:t>2. </a:t>
             </a:r>
             <a:r>
               <a:rPr lang="bg-BG" sz="2000" b="1" dirty="0" smtClean="0">
@@ -4815,109 +4807,17 @@
                   </a:schemeClr>
                 </a:solidFill>
               </a:rPr>
-              <a:t>***Бонус</a:t>
-            </a:r>
-            <a:r>
-              <a:rPr lang="en-US" sz="2000" b="1" dirty="0">
+              <a:t> добавете </a:t>
+            </a:r>
+            <a:r>
+              <a:rPr lang="bg-BG" sz="2000" b="1" dirty="0">
                 <a:solidFill>
                   <a:schemeClr val="bg1">
                     <a:lumMod val="95000"/>
                   </a:schemeClr>
                 </a:solidFill>
               </a:rPr>
-              <a:t>(5 </a:t>
-            </a:r>
-            <a:r>
-              <a:rPr lang="bg-BG" sz="2000" b="1" dirty="0">
-                <a:solidFill>
-                  <a:schemeClr val="bg1">
-                    <a:lumMod val="95000"/>
-                  </a:schemeClr>
-                </a:solidFill>
-              </a:rPr>
-              <a:t>точки) – инсталирайте си локален </a:t>
-            </a:r>
-            <a:r>
-              <a:rPr lang="en-US" sz="2000" b="1" dirty="0">
-                <a:solidFill>
-                  <a:schemeClr val="bg1">
-                    <a:lumMod val="95000"/>
-                  </a:schemeClr>
-                </a:solidFill>
-              </a:rPr>
-              <a:t>PHP </a:t>
-            </a:r>
-            <a:r>
-              <a:rPr lang="bg-BG" sz="2000" b="1" dirty="0">
-                <a:solidFill>
-                  <a:schemeClr val="bg1">
-                    <a:lumMod val="95000"/>
-                  </a:schemeClr>
-                </a:solidFill>
-              </a:rPr>
-              <a:t>сървър – </a:t>
-            </a:r>
-            <a:r>
-              <a:rPr lang="en-US" sz="2000" b="1" dirty="0">
-                <a:solidFill>
-                  <a:schemeClr val="bg1">
-                    <a:lumMod val="95000"/>
-                  </a:schemeClr>
-                </a:solidFill>
-              </a:rPr>
-              <a:t>XAMPP/WAMP/Apache</a:t>
-            </a:r>
-            <a:r>
-              <a:rPr lang="bg-BG" sz="2000" b="1" dirty="0">
-                <a:solidFill>
-                  <a:schemeClr val="bg1">
-                    <a:lumMod val="95000"/>
-                  </a:schemeClr>
-                </a:solidFill>
-              </a:rPr>
-              <a:t> и на него инсталирайте </a:t>
-            </a:r>
-            <a:r>
-              <a:rPr lang="en-US" sz="2000" b="1" dirty="0">
-                <a:solidFill>
-                  <a:schemeClr val="bg1">
-                    <a:lumMod val="95000"/>
-                  </a:schemeClr>
-                </a:solidFill>
-              </a:rPr>
-              <a:t>WordPress</a:t>
-            </a:r>
-            <a:r>
-              <a:rPr lang="en-US" sz="2000" b="1" dirty="0" smtClean="0">
-                <a:solidFill>
-                  <a:schemeClr val="bg1">
-                    <a:lumMod val="95000"/>
-                  </a:schemeClr>
-                </a:solidFill>
-              </a:rPr>
-              <a:t>.</a:t>
-            </a:r>
-            <a:endParaRPr lang="bg-BG" sz="2000" b="1" dirty="0">
-              <a:solidFill>
-                <a:schemeClr val="bg1">
-                  <a:lumMod val="95000"/>
-                </a:schemeClr>
-              </a:solidFill>
-            </a:endParaRPr>
-          </a:p>
-          <a:p>
-            <a:pPr marL="0" indent="0">
-              <a:buNone/>
-            </a:pPr>
-            <a:r>
-              <a:rPr lang="bg-BG" sz="2000" b="1" dirty="0">
-                <a:solidFill>
-                  <a:schemeClr val="bg1">
-                    <a:lumMod val="95000"/>
-                  </a:schemeClr>
-                </a:solidFill>
-              </a:rPr>
-              <a:t>	- добавете му персонална тема</a:t>
+              <a:t>му персонална тема</a:t>
             </a:r>
           </a:p>
           <a:p>
